--- a/Lectures/20160620_Lecture00.pptx
+++ b/Lectures/20160620_Lecture00.pptx
@@ -260,7 +260,7 @@
           <a:p>
             <a:fld id="{11F912BF-EFF8-4B0E-ADA0-90950D7FC627}" type="datetimeFigureOut">
               <a:rPr lang="en-US" smtClean="0"/>
-              <a:t>6/19/2016</a:t>
+              <a:t>6/20/2016</a:t>
             </a:fld>
             <a:endParaRPr lang="en-US"/>
           </a:p>
@@ -428,7 +428,7 @@
           <a:p>
             <a:fld id="{11F912BF-EFF8-4B0E-ADA0-90950D7FC627}" type="datetimeFigureOut">
               <a:rPr lang="en-US" smtClean="0"/>
-              <a:t>6/19/2016</a:t>
+              <a:t>6/20/2016</a:t>
             </a:fld>
             <a:endParaRPr lang="en-US"/>
           </a:p>
@@ -606,7 +606,7 @@
           <a:p>
             <a:fld id="{11F912BF-EFF8-4B0E-ADA0-90950D7FC627}" type="datetimeFigureOut">
               <a:rPr lang="en-US" smtClean="0"/>
-              <a:t>6/19/2016</a:t>
+              <a:t>6/20/2016</a:t>
             </a:fld>
             <a:endParaRPr lang="en-US"/>
           </a:p>
@@ -774,7 +774,7 @@
           <a:p>
             <a:fld id="{11F912BF-EFF8-4B0E-ADA0-90950D7FC627}" type="datetimeFigureOut">
               <a:rPr lang="en-US" smtClean="0"/>
-              <a:t>6/19/2016</a:t>
+              <a:t>6/20/2016</a:t>
             </a:fld>
             <a:endParaRPr lang="en-US"/>
           </a:p>
@@ -1019,7 +1019,7 @@
           <a:p>
             <a:fld id="{11F912BF-EFF8-4B0E-ADA0-90950D7FC627}" type="datetimeFigureOut">
               <a:rPr lang="en-US" smtClean="0"/>
-              <a:t>6/19/2016</a:t>
+              <a:t>6/20/2016</a:t>
             </a:fld>
             <a:endParaRPr lang="en-US"/>
           </a:p>
@@ -1248,7 +1248,7 @@
           <a:p>
             <a:fld id="{11F912BF-EFF8-4B0E-ADA0-90950D7FC627}" type="datetimeFigureOut">
               <a:rPr lang="en-US" smtClean="0"/>
-              <a:t>6/19/2016</a:t>
+              <a:t>6/20/2016</a:t>
             </a:fld>
             <a:endParaRPr lang="en-US"/>
           </a:p>
@@ -1612,7 +1612,7 @@
           <a:p>
             <a:fld id="{11F912BF-EFF8-4B0E-ADA0-90950D7FC627}" type="datetimeFigureOut">
               <a:rPr lang="en-US" smtClean="0"/>
-              <a:t>6/19/2016</a:t>
+              <a:t>6/20/2016</a:t>
             </a:fld>
             <a:endParaRPr lang="en-US"/>
           </a:p>
@@ -1729,7 +1729,7 @@
           <a:p>
             <a:fld id="{11F912BF-EFF8-4B0E-ADA0-90950D7FC627}" type="datetimeFigureOut">
               <a:rPr lang="en-US" smtClean="0"/>
-              <a:t>6/19/2016</a:t>
+              <a:t>6/20/2016</a:t>
             </a:fld>
             <a:endParaRPr lang="en-US"/>
           </a:p>
@@ -1824,7 +1824,7 @@
           <a:p>
             <a:fld id="{11F912BF-EFF8-4B0E-ADA0-90950D7FC627}" type="datetimeFigureOut">
               <a:rPr lang="en-US" smtClean="0"/>
-              <a:t>6/19/2016</a:t>
+              <a:t>6/20/2016</a:t>
             </a:fld>
             <a:endParaRPr lang="en-US"/>
           </a:p>
@@ -2099,7 +2099,7 @@
           <a:p>
             <a:fld id="{11F912BF-EFF8-4B0E-ADA0-90950D7FC627}" type="datetimeFigureOut">
               <a:rPr lang="en-US" smtClean="0"/>
-              <a:t>6/19/2016</a:t>
+              <a:t>6/20/2016</a:t>
             </a:fld>
             <a:endParaRPr lang="en-US"/>
           </a:p>
@@ -2351,7 +2351,7 @@
           <a:p>
             <a:fld id="{11F912BF-EFF8-4B0E-ADA0-90950D7FC627}" type="datetimeFigureOut">
               <a:rPr lang="en-US" smtClean="0"/>
-              <a:t>6/19/2016</a:t>
+              <a:t>6/20/2016</a:t>
             </a:fld>
             <a:endParaRPr lang="en-US"/>
           </a:p>
@@ -2562,7 +2562,7 @@
           <a:p>
             <a:fld id="{11F912BF-EFF8-4B0E-ADA0-90950D7FC627}" type="datetimeFigureOut">
               <a:rPr lang="en-US" smtClean="0"/>
-              <a:t>6/19/2016</a:t>
+              <a:t>6/20/2016</a:t>
             </a:fld>
             <a:endParaRPr lang="en-US"/>
           </a:p>
@@ -4727,6 +4727,38 @@
               <a:t>Study sessions: Tutors and counselors</a:t>
             </a:r>
           </a:p>
+          <a:p>
+            <a:pPr lvl="1"/>
+            <a:endParaRPr lang="en-US" dirty="0"/>
+          </a:p>
+          <a:p>
+            <a:r>
+              <a:rPr lang="en-US" dirty="0" err="1"/>
+              <a:t>Github</a:t>
+            </a:r>
+            <a:r>
+              <a:rPr lang="en-US" dirty="0"/>
+              <a:t> repository for all files in this class:</a:t>
+            </a:r>
+          </a:p>
+          <a:p>
+            <a:pPr lvl="1"/>
+            <a:r>
+              <a:rPr lang="en-US" dirty="0">
+                <a:hlinkClick r:id="rId3"/>
+              </a:rPr>
+              <a:t>https://github.com/juliomarcopineda/ClassRepository</a:t>
+            </a:r>
+            <a:endParaRPr lang="en-US" dirty="0"/>
+          </a:p>
+          <a:p>
+            <a:pPr lvl="1"/>
+            <a:r>
+              <a:rPr lang="en-US"/>
+              <a:t>Save!</a:t>
+            </a:r>
+            <a:endParaRPr lang="en-US" dirty="0"/>
+          </a:p>
         </p:txBody>
       </p:sp>
     </p:spTree>
